--- a/Documentos/Apresentação - Fleet.pptx
+++ b/Documentos/Apresentação - Fleet.pptx
@@ -4371,7 +4371,7 @@
         </p:nvSpPr>
         <p:spPr>
           <a:xfrm>
-            <a:off x="2827745" y="2345420"/>
+            <a:off x="596570" y="2574020"/>
             <a:ext cx="5499310" cy="3090489"/>
           </a:xfrm>
           <a:prstGeom prst="rect">
@@ -4430,6 +4430,12 @@
                 <a:spcPct val="0"/>
               </a:spcAft>
             </a:pPr>
+            <a:r>
+              <a:rPr lang="pt-BR" altLang="pt-BR" sz="2000" dirty="0">
+                <a:latin typeface="Arial" panose="020B0604020202020204" pitchFamily="34" charset="0"/>
+              </a:rPr>
+              <a:t/>
+            </a:r>
             <a:br>
               <a:rPr lang="pt-BR" altLang="pt-BR" sz="2000" dirty="0">
                 <a:latin typeface="Arial" panose="020B0604020202020204" pitchFamily="34" charset="0"/>
@@ -4483,6 +4489,12 @@
                 <a:spcPct val="0"/>
               </a:spcAft>
             </a:pPr>
+            <a:r>
+              <a:rPr lang="pt-BR" altLang="pt-BR" sz="2000" dirty="0">
+                <a:latin typeface="Arial" panose="020B0604020202020204" pitchFamily="34" charset="0"/>
+              </a:rPr>
+              <a:t/>
+            </a:r>
             <a:br>
               <a:rPr lang="pt-BR" altLang="pt-BR" sz="2000" dirty="0">
                 <a:latin typeface="Arial" panose="020B0604020202020204" pitchFamily="34" charset="0"/>
@@ -5447,6 +5459,30 @@
           </a:p>
         </p:txBody>
       </p:sp>
+      <p:pic>
+        <p:nvPicPr>
+          <p:cNvPr id="12" name="Imagem 11"/>
+          <p:cNvPicPr>
+            <a:picLocks noChangeAspect="1"/>
+          </p:cNvPicPr>
+          <p:nvPr/>
+        </p:nvPicPr>
+        <p:blipFill>
+          <a:blip r:embed="rId4"/>
+          <a:stretch>
+            <a:fillRect/>
+          </a:stretch>
+        </p:blipFill>
+        <p:spPr>
+          <a:xfrm>
+            <a:off x="6937131" y="2078187"/>
+            <a:ext cx="5254627" cy="4779812"/>
+          </a:xfrm>
+          <a:prstGeom prst="rect">
+            <a:avLst/>
+          </a:prstGeom>
+        </p:spPr>
+      </p:pic>
     </p:spTree>
     <p:extLst>
       <p:ext uri="{BB962C8B-B14F-4D97-AF65-F5344CB8AC3E}">
@@ -5630,7 +5666,7 @@
         </p:nvSpPr>
         <p:spPr>
           <a:xfrm>
-            <a:off x="2827745" y="2345420"/>
+            <a:off x="264816" y="2659853"/>
             <a:ext cx="5499310" cy="3398265"/>
           </a:xfrm>
           <a:prstGeom prst="rect">
@@ -5689,6 +5725,12 @@
                 <a:spcPct val="0"/>
               </a:spcAft>
             </a:pPr>
+            <a:r>
+              <a:rPr lang="pt-BR" altLang="pt-BR" sz="2000" dirty="0">
+                <a:latin typeface="Arial" panose="020B0604020202020204" pitchFamily="34" charset="0"/>
+              </a:rPr>
+              <a:t/>
+            </a:r>
             <a:br>
               <a:rPr lang="pt-BR" altLang="pt-BR" sz="2000" dirty="0">
                 <a:latin typeface="Arial" panose="020B0604020202020204" pitchFamily="34" charset="0"/>
@@ -5772,6 +5814,12 @@
                 <a:spcPct val="0"/>
               </a:spcAft>
             </a:pPr>
+            <a:r>
+              <a:rPr lang="pt-BR" altLang="pt-BR" sz="2000" dirty="0">
+                <a:latin typeface="Arial" panose="020B0604020202020204" pitchFamily="34" charset="0"/>
+              </a:rPr>
+              <a:t/>
+            </a:r>
             <a:br>
               <a:rPr lang="pt-BR" altLang="pt-BR" sz="2000" dirty="0">
                 <a:latin typeface="Arial" panose="020B0604020202020204" pitchFamily="34" charset="0"/>
@@ -6830,6 +6878,30 @@
           </a:p>
         </p:txBody>
       </p:sp>
+      <p:pic>
+        <p:nvPicPr>
+          <p:cNvPr id="13" name="Imagem 12"/>
+          <p:cNvPicPr>
+            <a:picLocks noChangeAspect="1"/>
+          </p:cNvPicPr>
+          <p:nvPr/>
+        </p:nvPicPr>
+        <p:blipFill>
+          <a:blip r:embed="rId4"/>
+          <a:stretch>
+            <a:fillRect/>
+          </a:stretch>
+        </p:blipFill>
+        <p:spPr>
+          <a:xfrm>
+            <a:off x="5613152" y="2435468"/>
+            <a:ext cx="6578607" cy="4422531"/>
+          </a:xfrm>
+          <a:prstGeom prst="rect">
+            <a:avLst/>
+          </a:prstGeom>
+        </p:spPr>
+      </p:pic>
     </p:spTree>
     <p:extLst>
       <p:ext uri="{BB962C8B-B14F-4D97-AF65-F5344CB8AC3E}">
@@ -13717,6 +13789,12 @@
                 <a:spcPct val="0"/>
               </a:spcAft>
             </a:pPr>
+            <a:r>
+              <a:rPr lang="pt-BR" altLang="pt-BR" sz="2000" dirty="0">
+                <a:latin typeface="Arial" panose="020B0604020202020204" pitchFamily="34" charset="0"/>
+              </a:rPr>
+              <a:t/>
+            </a:r>
             <a:br>
               <a:rPr lang="pt-BR" altLang="pt-BR" sz="2000" dirty="0">
                 <a:latin typeface="Arial" panose="020B0604020202020204" pitchFamily="34" charset="0"/>
@@ -13770,6 +13848,12 @@
                 <a:spcPct val="0"/>
               </a:spcAft>
             </a:pPr>
+            <a:r>
+              <a:rPr lang="pt-BR" altLang="pt-BR" sz="2000" dirty="0">
+                <a:latin typeface="Arial" panose="020B0604020202020204" pitchFamily="34" charset="0"/>
+              </a:rPr>
+              <a:t/>
+            </a:r>
             <a:br>
               <a:rPr lang="pt-BR" altLang="pt-BR" sz="2000" dirty="0">
                 <a:latin typeface="Arial" panose="020B0604020202020204" pitchFamily="34" charset="0"/>
@@ -14614,6 +14698,30 @@
           </a:p>
         </p:txBody>
       </p:sp>
+      <p:pic>
+        <p:nvPicPr>
+          <p:cNvPr id="12" name="Imagem 11"/>
+          <p:cNvPicPr>
+            <a:picLocks noChangeAspect="1"/>
+          </p:cNvPicPr>
+          <p:nvPr/>
+        </p:nvPicPr>
+        <p:blipFill>
+          <a:blip r:embed="rId4"/>
+          <a:stretch>
+            <a:fillRect/>
+          </a:stretch>
+        </p:blipFill>
+        <p:spPr>
+          <a:xfrm>
+            <a:off x="9565893" y="2243541"/>
+            <a:ext cx="2625865" cy="4614459"/>
+          </a:xfrm>
+          <a:prstGeom prst="rect">
+            <a:avLst/>
+          </a:prstGeom>
+        </p:spPr>
+      </p:pic>
     </p:spTree>
     <p:extLst>
       <p:ext uri="{BB962C8B-B14F-4D97-AF65-F5344CB8AC3E}">
@@ -14797,7 +14905,7 @@
         </p:nvSpPr>
         <p:spPr>
           <a:xfrm>
-            <a:off x="2827745" y="2345420"/>
+            <a:off x="832680" y="2424551"/>
             <a:ext cx="5499310" cy="2474936"/>
           </a:xfrm>
           <a:prstGeom prst="rect">
@@ -14856,6 +14964,12 @@
                 <a:spcPct val="0"/>
               </a:spcAft>
             </a:pPr>
+            <a:r>
+              <a:rPr lang="pt-BR" altLang="pt-BR" sz="2000" dirty="0">
+                <a:latin typeface="Arial" panose="020B0604020202020204" pitchFamily="34" charset="0"/>
+              </a:rPr>
+              <a:t/>
+            </a:r>
             <a:br>
               <a:rPr lang="pt-BR" altLang="pt-BR" sz="2000" dirty="0">
                 <a:latin typeface="Arial" panose="020B0604020202020204" pitchFamily="34" charset="0"/>
@@ -14919,6 +15033,12 @@
                 <a:spcPct val="0"/>
               </a:spcAft>
             </a:pPr>
+            <a:r>
+              <a:rPr lang="pt-BR" altLang="pt-BR" sz="2000" dirty="0">
+                <a:latin typeface="Arial" panose="020B0604020202020204" pitchFamily="34" charset="0"/>
+              </a:rPr>
+              <a:t/>
+            </a:r>
             <a:br>
               <a:rPr lang="pt-BR" altLang="pt-BR" sz="2000" dirty="0">
                 <a:latin typeface="Arial" panose="020B0604020202020204" pitchFamily="34" charset="0"/>
@@ -15857,6 +15977,30 @@
           </a:p>
         </p:txBody>
       </p:sp>
+      <p:pic>
+        <p:nvPicPr>
+          <p:cNvPr id="12" name="Imagem 11"/>
+          <p:cNvPicPr>
+            <a:picLocks noChangeAspect="1"/>
+          </p:cNvPicPr>
+          <p:nvPr/>
+        </p:nvPicPr>
+        <p:blipFill>
+          <a:blip r:embed="rId4"/>
+          <a:stretch>
+            <a:fillRect/>
+          </a:stretch>
+        </p:blipFill>
+        <p:spPr>
+          <a:xfrm>
+            <a:off x="7825154" y="2333858"/>
+            <a:ext cx="4366846" cy="4524142"/>
+          </a:xfrm>
+          <a:prstGeom prst="rect">
+            <a:avLst/>
+          </a:prstGeom>
+        </p:spPr>
+      </p:pic>
     </p:spTree>
     <p:extLst>
       <p:ext uri="{BB962C8B-B14F-4D97-AF65-F5344CB8AC3E}">

--- a/Documentos/Apresentação - Fleet.pptx
+++ b/Documentos/Apresentação - Fleet.pptx
@@ -10231,8 +10231,17 @@
             </a:pPr>
             <a:r>
               <a:rPr lang="pt-BR" sz="2000" dirty="0"/>
-              <a:t>Diagrama ER desenvolvido no Visual Paradigma.</a:t>
-            </a:r>
+              <a:t>Diagrama ER desenvolvido no Visual </a:t>
+            </a:r>
+            <a:r>
+              <a:rPr lang="pt-BR" sz="2000" dirty="0" err="1" smtClean="0"/>
+              <a:t>Paradigm</a:t>
+            </a:r>
+            <a:r>
+              <a:rPr lang="pt-BR" sz="2000" dirty="0" smtClean="0"/>
+              <a:t>.</a:t>
+            </a:r>
+            <a:endParaRPr lang="pt-BR" sz="2000" dirty="0"/>
           </a:p>
           <a:p>
             <a:pPr marL="6480">

--- a/Documentos/Apresentação - Fleet.pptx
+++ b/Documentos/Apresentação - Fleet.pptx
@@ -12742,7 +12742,7 @@
               <a:t>1 empresa fictícia: </a:t>
             </a:r>
             <a:r>
-              <a:rPr lang="pt-BR" altLang="pt-BR" sz="2000" b="1" dirty="0" err="1">
+              <a:rPr lang="pt-BR" altLang="pt-BR" sz="2000" b="1" dirty="0" err="1" smtClean="0">
                 <a:latin typeface="Arial" panose="020B0604020202020204" pitchFamily="34" charset="0"/>
               </a:rPr>
               <a:t>TransLog</a:t>
@@ -12780,7 +12780,19 @@
               <a:rPr lang="pt-BR" altLang="pt-BR" sz="2000" dirty="0">
                 <a:latin typeface="Arial" panose="020B0604020202020204" pitchFamily="34" charset="0"/>
               </a:rPr>
-              <a:t>3 veículos</a:t>
+              <a:t>5</a:t>
+            </a:r>
+            <a:r>
+              <a:rPr lang="pt-BR" altLang="pt-BR" sz="2000" dirty="0" smtClean="0">
+                <a:latin typeface="Arial" panose="020B0604020202020204" pitchFamily="34" charset="0"/>
+              </a:rPr>
+              <a:t> </a:t>
+            </a:r>
+            <a:r>
+              <a:rPr lang="pt-BR" altLang="pt-BR" sz="2000" dirty="0">
+                <a:latin typeface="Arial" panose="020B0604020202020204" pitchFamily="34" charset="0"/>
+              </a:rPr>
+              <a:t>veículos</a:t>
             </a:r>
           </a:p>
           <a:p>
